--- a/AP_Java/ProgramDesign/ProgramDesign.pptx
+++ b/AP_Java/ProgramDesign/ProgramDesign.pptx
@@ -27,10 +27,6 @@
     <p:sldId id="269" r:id="rId21"/>
     <p:sldId id="270" r:id="rId22"/>
     <p:sldId id="271" r:id="rId23"/>
-    <p:sldId id="272" r:id="rId24"/>
-    <p:sldId id="273" r:id="rId25"/>
-    <p:sldId id="274" r:id="rId26"/>
-    <p:sldId id="275" r:id="rId27"/>
   </p:sldIdLst>
   <p:sldSz cx="12192000" cy="6858000"/>
   <p:notesSz cx="6858000" cy="9144000"/>
@@ -129,6 +125,11 @@
       </a:defRPr>
     </a:lvl9pPr>
   </p:defaultTextStyle>
+  <p:extLst>
+    <p:ext uri="{EFAFB233-063F-42B5-8137-9DF3F51BA10A}">
+      <p15:sldGuideLst xmlns:p15="http://schemas.microsoft.com/office/powerpoint/2012/main"/>
+    </p:ext>
+  </p:extLst>
 </p:presentation>
 </file>
 
@@ -279,7 +280,7 @@
           <a:p>
             <a:fld id="{82EDB8D0-98ED-4B86-9D5F-E61ADC70144D}" type="datetimeFigureOut">
               <a:rPr lang="en-US" smtClean="0"/>
-              <a:t>8/25/22</a:t>
+              <a:t>8/30/22</a:t>
             </a:fld>
             <a:endParaRPr lang="en-US" dirty="0"/>
           </a:p>
@@ -694,7 +695,7 @@
           <a:p>
             <a:fld id="{82EDB8D0-98ED-4B86-9D5F-E61ADC70144D}" type="datetimeFigureOut">
               <a:rPr lang="en-US" smtClean="0"/>
-              <a:t>8/25/22</a:t>
+              <a:t>8/30/22</a:t>
             </a:fld>
             <a:endParaRPr lang="en-US"/>
           </a:p>
@@ -1186,7 +1187,7 @@
           <a:p>
             <a:fld id="{82EDB8D0-98ED-4B86-9D5F-E61ADC70144D}" type="datetimeFigureOut">
               <a:rPr lang="en-US" smtClean="0"/>
-              <a:t>8/25/22</a:t>
+              <a:t>8/30/22</a:t>
             </a:fld>
             <a:endParaRPr lang="en-US"/>
           </a:p>
@@ -1673,7 +1674,7 @@
           <a:p>
             <a:fld id="{82EDB8D0-98ED-4B86-9D5F-E61ADC70144D}" type="datetimeFigureOut">
               <a:rPr lang="en-US" smtClean="0"/>
-              <a:t>8/25/22</a:t>
+              <a:t>8/30/22</a:t>
             </a:fld>
             <a:endParaRPr lang="en-US" dirty="0"/>
           </a:p>
@@ -2442,7 +2443,7 @@
           <a:p>
             <a:fld id="{82EDB8D0-98ED-4B86-9D5F-E61ADC70144D}" type="datetimeFigureOut">
               <a:rPr lang="en-US" smtClean="0"/>
-              <a:t>8/25/22</a:t>
+              <a:t>8/30/22</a:t>
             </a:fld>
             <a:endParaRPr lang="en-US"/>
           </a:p>
@@ -2924,7 +2925,7 @@
           <a:p>
             <a:fld id="{82EDB8D0-98ED-4B86-9D5F-E61ADC70144D}" type="datetimeFigureOut">
               <a:rPr lang="en-US" smtClean="0"/>
-              <a:t>8/25/22</a:t>
+              <a:t>8/30/22</a:t>
             </a:fld>
             <a:endParaRPr lang="en-US"/>
           </a:p>
@@ -3620,7 +3621,7 @@
           <a:p>
             <a:fld id="{82EDB8D0-98ED-4B86-9D5F-E61ADC70144D}" type="datetimeFigureOut">
               <a:rPr lang="en-US" smtClean="0"/>
-              <a:t>8/25/22</a:t>
+              <a:t>8/30/22</a:t>
             </a:fld>
             <a:endParaRPr lang="en-US"/>
           </a:p>
@@ -4045,7 +4046,7 @@
           <a:p>
             <a:fld id="{82EDB8D0-98ED-4B86-9D5F-E61ADC70144D}" type="datetimeFigureOut">
               <a:rPr lang="en-US" smtClean="0"/>
-              <a:t>8/25/22</a:t>
+              <a:t>8/30/22</a:t>
             </a:fld>
             <a:endParaRPr lang="en-US"/>
           </a:p>
@@ -4442,7 +4443,7 @@
           <a:p>
             <a:fld id="{82EDB8D0-98ED-4B86-9D5F-E61ADC70144D}" type="datetimeFigureOut">
               <a:rPr lang="en-US" smtClean="0"/>
-              <a:t>8/25/22</a:t>
+              <a:t>8/30/22</a:t>
             </a:fld>
             <a:endParaRPr lang="en-US"/>
           </a:p>
@@ -5037,7 +5038,7 @@
           <a:p>
             <a:fld id="{82EDB8D0-98ED-4B86-9D5F-E61ADC70144D}" type="datetimeFigureOut">
               <a:rPr lang="en-US" smtClean="0"/>
-              <a:t>8/25/22</a:t>
+              <a:t>8/30/22</a:t>
             </a:fld>
             <a:endParaRPr lang="en-US"/>
           </a:p>
@@ -5612,7 +5613,7 @@
           <a:p>
             <a:fld id="{82EDB8D0-98ED-4B86-9D5F-E61ADC70144D}" type="datetimeFigureOut">
               <a:rPr lang="en-US" smtClean="0"/>
-              <a:t>8/25/22</a:t>
+              <a:t>8/30/22</a:t>
             </a:fld>
             <a:endParaRPr lang="en-US"/>
           </a:p>
@@ -6139,7 +6140,7 @@
             <a:fld id="{82EDB8D0-98ED-4B86-9D5F-E61ADC70144D}" type="datetimeFigureOut">
               <a:rPr lang="en-US" smtClean="0"/>
               <a:pPr/>
-              <a:t>8/25/22</a:t>
+              <a:t>8/30/22</a:t>
             </a:fld>
             <a:endParaRPr lang="en-US" dirty="0"/>
           </a:p>
@@ -7209,7 +7210,7 @@
           <a:p>
             <a:r>
               <a:rPr lang="en-US" dirty="0"/>
-              <a:t>The Waterfall Model – Program Design</a:t>
+              <a:t>Objected-oriented Program Design</a:t>
             </a:r>
           </a:p>
         </p:txBody>
@@ -7235,7 +7236,51 @@
           <a:bodyPr/>
           <a:lstStyle/>
           <a:p>
-            <a:endParaRPr lang="en-US"/>
+            <a:r>
+              <a:rPr lang="en-US" dirty="0"/>
+              <a:t>Uses an approach that overlap analysis of the problem, development of the design, and part of the implementation</a:t>
+            </a:r>
+          </a:p>
+          <a:p>
+            <a:r>
+              <a:rPr lang="en-US" dirty="0"/>
+              <a:t>Steps:</a:t>
+            </a:r>
+          </a:p>
+          <a:p>
+            <a:pPr lvl="1"/>
+            <a:r>
+              <a:rPr lang="en-US" dirty="0"/>
+              <a:t>Identify classes to be written</a:t>
+            </a:r>
+          </a:p>
+          <a:p>
+            <a:pPr lvl="1"/>
+            <a:r>
+              <a:rPr lang="en-US" dirty="0"/>
+              <a:t>Identify behaviour(methods) for each class</a:t>
+            </a:r>
+          </a:p>
+          <a:p>
+            <a:pPr lvl="1"/>
+            <a:r>
+              <a:rPr lang="en-US" dirty="0"/>
+              <a:t>Determine the relationships between classes</a:t>
+            </a:r>
+          </a:p>
+          <a:p>
+            <a:pPr lvl="1"/>
+            <a:r>
+              <a:rPr lang="en-US" dirty="0"/>
+              <a:t>Write the interface(public method headers) for each class</a:t>
+            </a:r>
+          </a:p>
+          <a:p>
+            <a:pPr lvl="1"/>
+            <a:r>
+              <a:rPr lang="en-US" dirty="0"/>
+              <a:t>Implement the methods</a:t>
+            </a:r>
           </a:p>
         </p:txBody>
       </p:sp>
@@ -7290,7 +7335,10 @@
           <a:bodyPr/>
           <a:lstStyle/>
           <a:p>
-            <a:endParaRPr lang="en-US"/>
+            <a:r>
+              <a:rPr lang="en-US" dirty="0"/>
+              <a:t>Identify Classes</a:t>
+            </a:r>
           </a:p>
         </p:txBody>
       </p:sp>
@@ -7315,7 +7363,22 @@
           <a:bodyPr/>
           <a:lstStyle/>
           <a:p>
-            <a:endParaRPr lang="en-US"/>
+            <a:r>
+              <a:rPr lang="en-US" dirty="0"/>
+              <a:t>We want to identify the objects in the program</a:t>
+            </a:r>
+          </a:p>
+          <a:p>
+            <a:r>
+              <a:rPr lang="en-US" dirty="0"/>
+              <a:t>Pick out nouns in the program specification</a:t>
+            </a:r>
+          </a:p>
+          <a:p>
+            <a:r>
+              <a:rPr lang="en-US" dirty="0"/>
+              <a:t>Many applications have similar object types: a low-level basic component; a collection of low-level components; a controlling object that puts everything together, and a display object that could be a GUI(graphical user interface)</a:t>
+            </a:r>
           </a:p>
         </p:txBody>
       </p:sp>
@@ -7370,35 +7433,65 @@
           <a:bodyPr/>
           <a:lstStyle/>
           <a:p>
-            <a:endParaRPr lang="en-US"/>
-          </a:p>
-        </p:txBody>
-      </p:sp>
-      <p:sp>
-        <p:nvSpPr>
-          <p:cNvPr id="3" name="Content Placeholder 2">
-            <a:extLst>
-              <a:ext uri="{FF2B5EF4-FFF2-40B4-BE49-F238E27FC236}">
-                <a16:creationId xmlns:a16="http://schemas.microsoft.com/office/drawing/2014/main" id="{428660C5-5654-DC45-9A19-A13828FD9DC2}"/>
-              </a:ext>
-            </a:extLst>
-          </p:cNvPr>
-          <p:cNvSpPr>
-            <a:spLocks noGrp="1"/>
-          </p:cNvSpPr>
+            <a:r>
+              <a:rPr lang="en-US" dirty="0"/>
+              <a:t>Write a program that maintains an </a:t>
+            </a:r>
+            <a:r>
+              <a:rPr lang="en-US" b="1" dirty="0"/>
+              <a:t>inventory</a:t>
+            </a:r>
+            <a:r>
+              <a:rPr lang="en-US" dirty="0"/>
+              <a:t> of stock </a:t>
+            </a:r>
+            <a:r>
+              <a:rPr lang="en-US" b="1" dirty="0"/>
+              <a:t>items</a:t>
+            </a:r>
+            <a:r>
+              <a:rPr lang="en-US" dirty="0"/>
+              <a:t> for a small </a:t>
+            </a:r>
+            <a:r>
+              <a:rPr lang="en-US" b="1" dirty="0"/>
+              <a:t>store</a:t>
+            </a:r>
+          </a:p>
+        </p:txBody>
+      </p:sp>
+      <p:pic>
+        <p:nvPicPr>
+          <p:cNvPr id="4" name="Content Placeholder 3">
+            <a:extLst>
+              <a:ext uri="{FF2B5EF4-FFF2-40B4-BE49-F238E27FC236}">
+                <a16:creationId xmlns:a16="http://schemas.microsoft.com/office/drawing/2014/main" id="{97ECFAD0-FDEF-DF42-B756-96A4D7ED7992}"/>
+              </a:ext>
+            </a:extLst>
+          </p:cNvPr>
+          <p:cNvPicPr>
+            <a:picLocks noGrp="1" noChangeAspect="1"/>
+          </p:cNvPicPr>
           <p:nvPr>
             <p:ph idx="1"/>
           </p:nvPr>
-        </p:nvSpPr>
-        <p:spPr/>
-        <p:txBody>
-          <a:bodyPr/>
-          <a:lstStyle/>
-          <a:p>
-            <a:endParaRPr lang="en-US"/>
-          </a:p>
-        </p:txBody>
-      </p:sp>
+        </p:nvPicPr>
+        <p:blipFill>
+          <a:blip r:embed="rId2"/>
+          <a:stretch>
+            <a:fillRect/>
+          </a:stretch>
+        </p:blipFill>
+        <p:spPr>
+          <a:xfrm>
+            <a:off x="1780734" y="2530899"/>
+            <a:ext cx="8630532" cy="1796202"/>
+          </a:xfrm>
+          <a:prstGeom prst="rect">
+            <a:avLst/>
+          </a:prstGeom>
+        </p:spPr>
+      </p:pic>
     </p:spTree>
     <p:extLst>
       <p:ext uri="{BB962C8B-B14F-4D97-AF65-F5344CB8AC3E}">
@@ -7447,38 +7540,82 @@
         </p:nvSpPr>
         <p:spPr/>
         <p:txBody>
-          <a:bodyPr/>
-          <a:lstStyle/>
-          <a:p>
-            <a:endParaRPr lang="en-US"/>
-          </a:p>
-        </p:txBody>
-      </p:sp>
-      <p:sp>
-        <p:nvSpPr>
-          <p:cNvPr id="3" name="Content Placeholder 2">
-            <a:extLst>
-              <a:ext uri="{FF2B5EF4-FFF2-40B4-BE49-F238E27FC236}">
-                <a16:creationId xmlns:a16="http://schemas.microsoft.com/office/drawing/2014/main" id="{A1704569-8B75-C945-8B0A-DBB62815216F}"/>
-              </a:ext>
-            </a:extLst>
-          </p:cNvPr>
-          <p:cNvSpPr>
-            <a:spLocks noGrp="1"/>
-          </p:cNvSpPr>
+          <a:bodyPr>
+            <a:normAutofit fontScale="90000"/>
+          </a:bodyPr>
+          <a:lstStyle/>
+          <a:p>
+            <a:r>
+              <a:rPr lang="en-US" dirty="0"/>
+              <a:t>Write a program that simulates a </a:t>
+            </a:r>
+            <a:r>
+              <a:rPr lang="en-US" b="1" dirty="0"/>
+              <a:t>game</a:t>
+            </a:r>
+            <a:r>
+              <a:rPr lang="en-US" dirty="0"/>
+              <a:t> of bingo. There should be at least two </a:t>
+            </a:r>
+            <a:r>
+              <a:rPr lang="en-US" b="1" dirty="0"/>
+              <a:t>players</a:t>
+            </a:r>
+            <a:r>
+              <a:rPr lang="en-US" dirty="0"/>
+              <a:t>, each of whom has a </a:t>
+            </a:r>
+            <a:r>
+              <a:rPr lang="en-US" b="1" dirty="0"/>
+              <a:t>bingo card</a:t>
+            </a:r>
+            <a:r>
+              <a:rPr lang="en-US" dirty="0"/>
+              <a:t>, and a </a:t>
+            </a:r>
+            <a:r>
+              <a:rPr lang="en-US" b="1" dirty="0"/>
+              <a:t>caller</a:t>
+            </a:r>
+            <a:r>
+              <a:rPr lang="en-US" dirty="0"/>
+              <a:t> who calls the numbers</a:t>
+            </a:r>
+          </a:p>
+        </p:txBody>
+      </p:sp>
+      <p:pic>
+        <p:nvPicPr>
+          <p:cNvPr id="4" name="Content Placeholder 3">
+            <a:extLst>
+              <a:ext uri="{FF2B5EF4-FFF2-40B4-BE49-F238E27FC236}">
+                <a16:creationId xmlns:a16="http://schemas.microsoft.com/office/drawing/2014/main" id="{D2EAC1D9-F105-CF43-89E2-1F79CF47ADA7}"/>
+              </a:ext>
+            </a:extLst>
+          </p:cNvPr>
+          <p:cNvPicPr>
+            <a:picLocks noGrp="1" noChangeAspect="1"/>
+          </p:cNvPicPr>
           <p:nvPr>
             <p:ph idx="1"/>
           </p:nvPr>
-        </p:nvSpPr>
-        <p:spPr/>
-        <p:txBody>
-          <a:bodyPr/>
-          <a:lstStyle/>
-          <a:p>
-            <a:endParaRPr lang="en-US"/>
-          </a:p>
-        </p:txBody>
-      </p:sp>
+        </p:nvPicPr>
+        <p:blipFill>
+          <a:blip r:embed="rId2"/>
+          <a:stretch>
+            <a:fillRect/>
+          </a:stretch>
+        </p:blipFill>
+        <p:spPr>
+          <a:xfrm>
+            <a:off x="1104532" y="2549195"/>
+            <a:ext cx="10496272" cy="1759609"/>
+          </a:xfrm>
+          <a:prstGeom prst="rect">
+            <a:avLst/>
+          </a:prstGeom>
+        </p:spPr>
+      </p:pic>
     </p:spTree>
     <p:extLst>
       <p:ext uri="{BB962C8B-B14F-4D97-AF65-F5344CB8AC3E}">
@@ -7525,40 +7662,87 @@
             <p:ph type="title"/>
           </p:nvPr>
         </p:nvSpPr>
-        <p:spPr/>
-        <p:txBody>
-          <a:bodyPr/>
-          <a:lstStyle/>
-          <a:p>
-            <a:endParaRPr lang="en-US"/>
-          </a:p>
-        </p:txBody>
-      </p:sp>
-      <p:sp>
-        <p:nvSpPr>
-          <p:cNvPr id="3" name="Content Placeholder 2">
-            <a:extLst>
-              <a:ext uri="{FF2B5EF4-FFF2-40B4-BE49-F238E27FC236}">
-                <a16:creationId xmlns:a16="http://schemas.microsoft.com/office/drawing/2014/main" id="{85CA83A5-DAAF-D94F-A372-D5790664C765}"/>
-              </a:ext>
-            </a:extLst>
-          </p:cNvPr>
-          <p:cNvSpPr>
-            <a:spLocks noGrp="1"/>
-          </p:cNvSpPr>
-          <p:nvPr>
-            <p:ph idx="1"/>
-          </p:nvPr>
-        </p:nvSpPr>
-        <p:spPr/>
-        <p:txBody>
-          <a:bodyPr/>
-          <a:lstStyle/>
-          <a:p>
-            <a:endParaRPr lang="en-US"/>
-          </a:p>
-        </p:txBody>
-      </p:sp>
+        <p:spPr>
+          <a:xfrm>
+            <a:off x="838200" y="365125"/>
+            <a:ext cx="10515600" cy="1587661"/>
+          </a:xfrm>
+        </p:spPr>
+        <p:txBody>
+          <a:bodyPr>
+            <a:normAutofit/>
+          </a:bodyPr>
+          <a:lstStyle/>
+          <a:p>
+            <a:r>
+              <a:rPr lang="en-US" dirty="0"/>
+              <a:t>Write a program that creates random bridge </a:t>
+            </a:r>
+            <a:r>
+              <a:rPr lang="en-US" b="1" dirty="0"/>
+              <a:t>deals</a:t>
+            </a:r>
+            <a:r>
+              <a:rPr lang="en-US" dirty="0"/>
+              <a:t> and displays them in a specified </a:t>
+            </a:r>
+            <a:r>
+              <a:rPr lang="en-US" b="1" dirty="0"/>
+              <a:t>format</a:t>
+            </a:r>
+            <a:r>
+              <a:rPr lang="en-US" dirty="0"/>
+              <a:t> (deal: consists four </a:t>
+            </a:r>
+            <a:r>
+              <a:rPr lang="en-US" b="1" dirty="0"/>
+              <a:t>hands</a:t>
+            </a:r>
+            <a:r>
+              <a:rPr lang="en-US" dirty="0"/>
+              <a:t>, dealt from a </a:t>
+            </a:r>
+            <a:r>
+              <a:rPr lang="en-US" b="1" dirty="0"/>
+              <a:t>deck</a:t>
+            </a:r>
+            <a:r>
+              <a:rPr lang="en-US" dirty="0"/>
+              <a:t> of cards)</a:t>
+            </a:r>
+          </a:p>
+        </p:txBody>
+      </p:sp>
+      <p:pic>
+        <p:nvPicPr>
+          <p:cNvPr id="4" name="Picture 3">
+            <a:extLst>
+              <a:ext uri="{FF2B5EF4-FFF2-40B4-BE49-F238E27FC236}">
+                <a16:creationId xmlns:a16="http://schemas.microsoft.com/office/drawing/2014/main" id="{CCC35103-A60C-6D4B-94D1-95986653C19E}"/>
+              </a:ext>
+            </a:extLst>
+          </p:cNvPr>
+          <p:cNvPicPr>
+            <a:picLocks noChangeAspect="1"/>
+          </p:cNvPicPr>
+          <p:nvPr/>
+        </p:nvPicPr>
+        <p:blipFill>
+          <a:blip r:embed="rId2"/>
+          <a:stretch>
+            <a:fillRect/>
+          </a:stretch>
+        </p:blipFill>
+        <p:spPr>
+          <a:xfrm>
+            <a:off x="1078045" y="2332924"/>
+            <a:ext cx="10035910" cy="3649422"/>
+          </a:xfrm>
+          <a:prstGeom prst="rect">
+            <a:avLst/>
+          </a:prstGeom>
+        </p:spPr>
+      </p:pic>
     </p:spTree>
     <p:extLst>
       <p:ext uri="{BB962C8B-B14F-4D97-AF65-F5344CB8AC3E}">
@@ -7610,7 +7794,10 @@
           <a:bodyPr/>
           <a:lstStyle/>
           <a:p>
-            <a:endParaRPr lang="en-US"/>
+            <a:r>
+              <a:rPr lang="en-US" dirty="0"/>
+              <a:t>Identify Behaviours</a:t>
+            </a:r>
           </a:p>
         </p:txBody>
       </p:sp>
@@ -7630,12 +7817,46 @@
             <p:ph idx="1"/>
           </p:nvPr>
         </p:nvSpPr>
-        <p:spPr/>
+        <p:spPr>
+          <a:xfrm>
+            <a:off x="838200" y="1825625"/>
+            <a:ext cx="10515600" cy="4667250"/>
+          </a:xfrm>
+        </p:spPr>
         <p:txBody>
           <a:bodyPr/>
           <a:lstStyle/>
           <a:p>
-            <a:endParaRPr lang="en-US"/>
+            <a:r>
+              <a:rPr lang="en-US" dirty="0"/>
+              <a:t>Find all verbs in the program description that help lead to the solution of the programming task</a:t>
+            </a:r>
+          </a:p>
+          <a:p>
+            <a:r>
+              <a:rPr lang="en-US" dirty="0"/>
+              <a:t>The process of bundling a group of methods and data fields into a class is called encapsulation</a:t>
+            </a:r>
+          </a:p>
+          <a:p>
+            <a:r>
+              <a:rPr lang="en-US" dirty="0"/>
+              <a:t>Think carefully about who should do what. Do not ask a basic object to perform operations for the group. (i.e., A Card should know its value and suit, but should not be responsible for keeping track of how many cards are left in a deck)</a:t>
+            </a:r>
+          </a:p>
+          <a:p>
+            <a:r>
+              <a:rPr lang="en-US" dirty="0"/>
+              <a:t>Decide which data fields each class will need, and which data structures should store them (i.e., if an object represents a list of items, consider an array or </a:t>
+            </a:r>
+            <a:r>
+              <a:rPr lang="en-US" dirty="0" err="1"/>
+              <a:t>ArrayList</a:t>
+            </a:r>
+            <a:r>
+              <a:rPr lang="en-US" dirty="0"/>
+              <a:t> as the data structure)</a:t>
+            </a:r>
           </a:p>
         </p:txBody>
       </p:sp>
@@ -7690,7 +7911,10 @@
           <a:bodyPr/>
           <a:lstStyle/>
           <a:p>
-            <a:endParaRPr lang="en-US"/>
+            <a:r>
+              <a:rPr lang="en-US" dirty="0"/>
+              <a:t>Determining Relationships Between Classes</a:t>
+            </a:r>
           </a:p>
         </p:txBody>
       </p:sp>
@@ -7715,7 +7939,53 @@
           <a:bodyPr/>
           <a:lstStyle/>
           <a:p>
-            <a:endParaRPr lang="en-US"/>
+            <a:r>
+              <a:rPr lang="en-US" dirty="0"/>
+              <a:t>Inheritance relationships</a:t>
+            </a:r>
+          </a:p>
+          <a:p>
+            <a:pPr lvl="1"/>
+            <a:r>
+              <a:rPr lang="en-US" dirty="0"/>
+              <a:t>Look for classes with common </a:t>
+            </a:r>
+            <a:r>
+              <a:rPr lang="en-US" dirty="0" err="1"/>
+              <a:t>behaviours</a:t>
+            </a:r>
+            <a:endParaRPr lang="en-US" dirty="0"/>
+          </a:p>
+          <a:p>
+            <a:pPr lvl="1"/>
+            <a:r>
+              <a:rPr lang="en-US" dirty="0"/>
+              <a:t>Is-a relationship – if object1 is-a object2, then object2 is a candidate for a superclass</a:t>
+            </a:r>
+          </a:p>
+          <a:p>
+            <a:r>
+              <a:rPr lang="en-US" dirty="0"/>
+              <a:t>Composition Relationships</a:t>
+            </a:r>
+          </a:p>
+          <a:p>
+            <a:pPr lvl="1"/>
+            <a:r>
+              <a:rPr lang="en-US" dirty="0"/>
+              <a:t>Has-a relationship (i.e., a Nurse has-a Uniform, a champion/agent has-a ?)</a:t>
+            </a:r>
+          </a:p>
+          <a:p>
+            <a:pPr lvl="1"/>
+            <a:r>
+              <a:rPr lang="en-US" dirty="0"/>
+              <a:t>If two classes have a composition relationship, one of them contains an instance variable whose type is the other class</a:t>
+            </a:r>
+          </a:p>
+          <a:p>
+            <a:pPr lvl="1"/>
+            <a:endParaRPr lang="en-US" dirty="0"/>
           </a:p>
         </p:txBody>
       </p:sp>
@@ -7770,7 +8040,10 @@
           <a:bodyPr/>
           <a:lstStyle/>
           <a:p>
-            <a:endParaRPr lang="en-US"/>
+            <a:r>
+              <a:rPr lang="en-US" dirty="0"/>
+              <a:t>UML(Unified Modeling Language) Diagrams</a:t>
+            </a:r>
           </a:p>
         </p:txBody>
       </p:sp>
@@ -7795,7 +8068,51 @@
           <a:bodyPr/>
           <a:lstStyle/>
           <a:p>
-            <a:endParaRPr lang="en-US"/>
+            <a:r>
+              <a:rPr lang="en-US" dirty="0"/>
+              <a:t>A standard graphical scheme used by object-oriented programmers</a:t>
+            </a:r>
+          </a:p>
+          <a:p>
+            <a:r>
+              <a:rPr lang="en-US" dirty="0"/>
+              <a:t>UML rules:</a:t>
+            </a:r>
+          </a:p>
+          <a:p>
+            <a:pPr lvl="1"/>
+            <a:r>
+              <a:rPr lang="en-US" dirty="0"/>
+              <a:t>Represent classes with rectangles</a:t>
+            </a:r>
+          </a:p>
+          <a:p>
+            <a:pPr lvl="1"/>
+            <a:r>
+              <a:rPr lang="en-US" dirty="0"/>
+              <a:t>Use angle brackets with the word “abstract” or “interface” to indicate either an abstract class or interface</a:t>
+            </a:r>
+          </a:p>
+          <a:p>
+            <a:pPr lvl="1"/>
+            <a:r>
+              <a:rPr lang="en-US" dirty="0"/>
+              <a:t>Show the is-a relationship between classes with an open up-arrow</a:t>
+            </a:r>
+          </a:p>
+          <a:p>
+            <a:pPr lvl="1"/>
+            <a:r>
+              <a:rPr lang="en-US" dirty="0"/>
+              <a:t>Show the is-a relationship that involves an interface with an open, dotted up-arrow</a:t>
+            </a:r>
+          </a:p>
+          <a:p>
+            <a:pPr lvl="1"/>
+            <a:r>
+              <a:rPr lang="en-US" dirty="0"/>
+              <a:t>Show the has-a relationship with a down arrow or sideways arrow (indicates composition)</a:t>
+            </a:r>
           </a:p>
         </p:txBody>
       </p:sp>
@@ -7829,56 +8146,38 @@
           <a:chExt cx="0" cy="0"/>
         </a:xfrm>
       </p:grpSpPr>
-      <p:sp>
-        <p:nvSpPr>
-          <p:cNvPr id="2" name="Title 1">
-            <a:extLst>
-              <a:ext uri="{FF2B5EF4-FFF2-40B4-BE49-F238E27FC236}">
-                <a16:creationId xmlns:a16="http://schemas.microsoft.com/office/drawing/2014/main" id="{0DD5C949-1539-664F-8B3B-D2002EEDE7E1}"/>
-              </a:ext>
-            </a:extLst>
-          </p:cNvPr>
-          <p:cNvSpPr>
-            <a:spLocks noGrp="1"/>
-          </p:cNvSpPr>
-          <p:nvPr>
-            <p:ph type="title"/>
-          </p:nvPr>
-        </p:nvSpPr>
-        <p:spPr/>
-        <p:txBody>
-          <a:bodyPr/>
-          <a:lstStyle/>
-          <a:p>
-            <a:endParaRPr lang="en-US"/>
-          </a:p>
-        </p:txBody>
-      </p:sp>
-      <p:sp>
-        <p:nvSpPr>
-          <p:cNvPr id="3" name="Content Placeholder 2">
-            <a:extLst>
-              <a:ext uri="{FF2B5EF4-FFF2-40B4-BE49-F238E27FC236}">
-                <a16:creationId xmlns:a16="http://schemas.microsoft.com/office/drawing/2014/main" id="{8793E270-06FF-7D45-8833-02FA59D80073}"/>
-              </a:ext>
-            </a:extLst>
-          </p:cNvPr>
-          <p:cNvSpPr>
-            <a:spLocks noGrp="1"/>
-          </p:cNvSpPr>
+      <p:pic>
+        <p:nvPicPr>
+          <p:cNvPr id="4" name="Content Placeholder 3">
+            <a:extLst>
+              <a:ext uri="{FF2B5EF4-FFF2-40B4-BE49-F238E27FC236}">
+                <a16:creationId xmlns:a16="http://schemas.microsoft.com/office/drawing/2014/main" id="{EC84F43D-EF63-F148-B214-52C18551D810}"/>
+              </a:ext>
+            </a:extLst>
+          </p:cNvPr>
+          <p:cNvPicPr>
+            <a:picLocks noGrp="1" noChangeAspect="1"/>
+          </p:cNvPicPr>
           <p:nvPr>
             <p:ph idx="1"/>
           </p:nvPr>
-        </p:nvSpPr>
-        <p:spPr/>
-        <p:txBody>
-          <a:bodyPr/>
-          <a:lstStyle/>
-          <a:p>
-            <a:endParaRPr lang="en-US"/>
-          </a:p>
-        </p:txBody>
-      </p:sp>
+        </p:nvPicPr>
+        <p:blipFill>
+          <a:blip r:embed="rId2"/>
+          <a:stretch>
+            <a:fillRect/>
+          </a:stretch>
+        </p:blipFill>
+        <p:spPr>
+          <a:xfrm>
+            <a:off x="2213674" y="741996"/>
+            <a:ext cx="7764651" cy="5374007"/>
+          </a:xfrm>
+          <a:prstGeom prst="rect">
+            <a:avLst/>
+          </a:prstGeom>
+        </p:spPr>
+      </p:pic>
     </p:spTree>
     <p:extLst>
       <p:ext uri="{BB962C8B-B14F-4D97-AF65-F5344CB8AC3E}">
@@ -7930,7 +8229,10 @@
           <a:bodyPr/>
           <a:lstStyle/>
           <a:p>
-            <a:endParaRPr lang="en-US"/>
+            <a:r>
+              <a:rPr lang="en-US" dirty="0"/>
+              <a:t>Implementing Classes</a:t>
+            </a:r>
           </a:p>
         </p:txBody>
       </p:sp>
@@ -7955,7 +8257,35 @@
           <a:bodyPr/>
           <a:lstStyle/>
           <a:p>
-            <a:endParaRPr lang="en-US"/>
+            <a:r>
+              <a:rPr lang="en-US" dirty="0"/>
+              <a:t>Bottom-up development</a:t>
+            </a:r>
+          </a:p>
+          <a:p>
+            <a:pPr lvl="1"/>
+            <a:r>
+              <a:rPr lang="en-US" dirty="0"/>
+              <a:t>For each method in a class, list all other classes needed to implement that particular method. These classes are called collaborators. A class has no collaborators is independent</a:t>
+            </a:r>
+          </a:p>
+          <a:p>
+            <a:pPr lvl="1"/>
+            <a:r>
+              <a:rPr lang="en-US" dirty="0"/>
+              <a:t>Independent classes, typically the basic objects, should be implemented and tested first before being incorporated into the overall project</a:t>
+            </a:r>
+          </a:p>
+          <a:p>
+            <a:pPr lvl="1"/>
+            <a:r>
+              <a:rPr lang="en-US" dirty="0"/>
+              <a:t>When each of the independent classes is working, classes that depend on just one other class are implemented and tested, and so on</a:t>
+            </a:r>
+          </a:p>
+          <a:p>
+            <a:pPr lvl="1"/>
+            <a:endParaRPr lang="en-US" dirty="0"/>
           </a:p>
         </p:txBody>
       </p:sp>
@@ -8131,7 +8461,10 @@
           <a:bodyPr/>
           <a:lstStyle/>
           <a:p>
-            <a:endParaRPr lang="en-US"/>
+            <a:r>
+              <a:rPr lang="en-US" dirty="0"/>
+              <a:t>Implementing Classes</a:t>
+            </a:r>
           </a:p>
         </p:txBody>
       </p:sp>
@@ -8156,7 +8489,24 @@
           <a:bodyPr/>
           <a:lstStyle/>
           <a:p>
-            <a:endParaRPr lang="en-US"/>
+            <a:r>
+              <a:rPr lang="en-US" dirty="0"/>
+              <a:t>Top-down development</a:t>
+            </a:r>
+          </a:p>
+          <a:p>
+            <a:pPr lvl="1"/>
+            <a:r>
+              <a:rPr lang="en-US" dirty="0"/>
+              <a:t>The programmer starts with an overview of the program, selecting the highest-level controlling object and the tasks needed</a:t>
+            </a:r>
+          </a:p>
+          <a:p>
+            <a:pPr lvl="1"/>
+            <a:r>
+              <a:rPr lang="en-US" dirty="0"/>
+              <a:t>During development of the program, subsidiary classes may be added to simplify existing classes</a:t>
+            </a:r>
           </a:p>
         </p:txBody>
       </p:sp>
@@ -8211,7 +8561,10 @@
           <a:bodyPr/>
           <a:lstStyle/>
           <a:p>
-            <a:endParaRPr lang="en-US"/>
+            <a:r>
+              <a:rPr lang="en-US" dirty="0"/>
+              <a:t>Implementing Methods</a:t>
+            </a:r>
           </a:p>
         </p:txBody>
       </p:sp>
@@ -8236,7 +8589,49 @@
           <a:bodyPr/>
           <a:lstStyle/>
           <a:p>
-            <a:endParaRPr lang="en-US"/>
+            <a:r>
+              <a:rPr lang="en-US" dirty="0"/>
+              <a:t>Procedural abstraction</a:t>
+            </a:r>
+          </a:p>
+          <a:p>
+            <a:pPr lvl="1"/>
+            <a:r>
+              <a:rPr lang="en-US" dirty="0"/>
+              <a:t>Helper methods</a:t>
+            </a:r>
+          </a:p>
+          <a:p>
+            <a:pPr lvl="1"/>
+            <a:r>
+              <a:rPr lang="en-US" dirty="0"/>
+              <a:t>Stepwise refinement</a:t>
+            </a:r>
+          </a:p>
+          <a:p>
+            <a:r>
+              <a:rPr lang="en-US" dirty="0"/>
+              <a:t>Information hiding</a:t>
+            </a:r>
+          </a:p>
+          <a:p>
+            <a:r>
+              <a:rPr lang="en-US" dirty="0"/>
+              <a:t>Stub method (dummy method)</a:t>
+            </a:r>
+          </a:p>
+          <a:p>
+            <a:r>
+              <a:rPr lang="en-US" dirty="0"/>
+              <a:t>algorithm</a:t>
+            </a:r>
+          </a:p>
+          <a:p>
+            <a:pPr lvl="1"/>
+            <a:r>
+              <a:rPr lang="en-US" dirty="0"/>
+              <a:t>Step by step procedure that solves a problem or achieves a goal</a:t>
+            </a:r>
           </a:p>
         </p:txBody>
       </p:sp>
@@ -8291,7 +8686,10 @@
           <a:bodyPr/>
           <a:lstStyle/>
           <a:p>
-            <a:endParaRPr lang="en-US"/>
+            <a:r>
+              <a:rPr lang="en-US" dirty="0"/>
+              <a:t>Example</a:t>
+            </a:r>
           </a:p>
         </p:txBody>
       </p:sp>
@@ -8311,12 +8709,135 @@
             <p:ph idx="1"/>
           </p:nvPr>
         </p:nvSpPr>
-        <p:spPr/>
-        <p:txBody>
-          <a:bodyPr/>
-          <a:lstStyle/>
-          <a:p>
-            <a:endParaRPr lang="en-US"/>
+        <p:spPr>
+          <a:xfrm>
+            <a:off x="838200" y="1460500"/>
+            <a:ext cx="10515600" cy="5032375"/>
+          </a:xfrm>
+        </p:spPr>
+        <p:txBody>
+          <a:bodyPr>
+            <a:normAutofit/>
+          </a:bodyPr>
+          <a:lstStyle/>
+          <a:p>
+            <a:r>
+              <a:rPr lang="en-US" dirty="0"/>
+              <a:t>A program that creates a teacher’s grade book. The program should maintain a </a:t>
+            </a:r>
+            <a:r>
+              <a:rPr lang="en-US" b="1" dirty="0"/>
+              <a:t>class</a:t>
+            </a:r>
+            <a:r>
+              <a:rPr lang="en-US" dirty="0"/>
+              <a:t> list of </a:t>
+            </a:r>
+            <a:r>
+              <a:rPr lang="en-US" b="1" dirty="0"/>
+              <a:t>students</a:t>
+            </a:r>
+            <a:r>
+              <a:rPr lang="en-US" dirty="0"/>
+              <a:t> for any number of classes in the teacher’s schedule. A menu should be provided that allows the teacher to</a:t>
+            </a:r>
+          </a:p>
+          <a:p>
+            <a:pPr lvl="1"/>
+            <a:r>
+              <a:rPr lang="en-CA" sz="2400" i="1" dirty="0"/>
+              <a:t>Create</a:t>
+            </a:r>
+            <a:r>
+              <a:rPr lang="en-CA" sz="2400" dirty="0"/>
+              <a:t> a new class of students. </a:t>
+            </a:r>
+          </a:p>
+          <a:p>
+            <a:pPr lvl="1"/>
+            <a:r>
+              <a:rPr lang="en-CA" sz="2400" i="1" dirty="0"/>
+              <a:t>Enter</a:t>
+            </a:r>
+            <a:r>
+              <a:rPr lang="en-CA" sz="2400" dirty="0"/>
+              <a:t> a set of </a:t>
+            </a:r>
+            <a:r>
+              <a:rPr lang="en-CA" sz="2400" b="1" dirty="0"/>
+              <a:t>scores</a:t>
+            </a:r>
+            <a:r>
+              <a:rPr lang="en-CA" sz="2400" dirty="0"/>
+              <a:t> for any class.</a:t>
+            </a:r>
+          </a:p>
+          <a:p>
+            <a:pPr lvl="1"/>
+            <a:r>
+              <a:rPr lang="en-CA" sz="2400" i="1" dirty="0"/>
+              <a:t>Correct</a:t>
+            </a:r>
+            <a:r>
+              <a:rPr lang="en-CA" sz="2400" dirty="0"/>
+              <a:t> any data that’s been entered. </a:t>
+            </a:r>
+          </a:p>
+          <a:p>
+            <a:pPr lvl="1"/>
+            <a:r>
+              <a:rPr lang="en-CA" sz="2400" i="1" dirty="0"/>
+              <a:t>Display</a:t>
+            </a:r>
+            <a:r>
+              <a:rPr lang="en-CA" sz="2400" dirty="0"/>
+              <a:t> the record of any student. </a:t>
+            </a:r>
+          </a:p>
+          <a:p>
+            <a:pPr lvl="1"/>
+            <a:r>
+              <a:rPr lang="en-CA" sz="2400" i="1" dirty="0"/>
+              <a:t>Calculate</a:t>
+            </a:r>
+            <a:r>
+              <a:rPr lang="en-CA" sz="2400" dirty="0"/>
+              <a:t> the final average and grade for all students in a class. </a:t>
+            </a:r>
+          </a:p>
+          <a:p>
+            <a:pPr lvl="1"/>
+            <a:r>
+              <a:rPr lang="en-CA" sz="2400" i="1" dirty="0"/>
+              <a:t>Print</a:t>
+            </a:r>
+            <a:r>
+              <a:rPr lang="en-CA" sz="2400" dirty="0"/>
+              <a:t> a class list, with or without grades. </a:t>
+            </a:r>
+          </a:p>
+          <a:p>
+            <a:pPr lvl="1"/>
+            <a:r>
+              <a:rPr lang="en-CA" sz="2400" i="1" dirty="0"/>
+              <a:t>Add</a:t>
+            </a:r>
+            <a:r>
+              <a:rPr lang="en-CA" sz="2400" dirty="0"/>
+              <a:t> a student, delete a student, or transfer a student to another class. </a:t>
+            </a:r>
+          </a:p>
+          <a:p>
+            <a:pPr lvl="1"/>
+            <a:r>
+              <a:rPr lang="en-CA" sz="2400" i="1" dirty="0"/>
+              <a:t>Save</a:t>
+            </a:r>
+            <a:r>
+              <a:rPr lang="en-CA" sz="2400" dirty="0"/>
+              <a:t> all the data in a file.</a:t>
+            </a:r>
+            <a:endParaRPr lang="en-US" sz="2400" dirty="0"/>
           </a:p>
         </p:txBody>
       </p:sp>
@@ -8324,326 +8845,6 @@
     <p:extLst>
       <p:ext uri="{BB962C8B-B14F-4D97-AF65-F5344CB8AC3E}">
         <p14:creationId xmlns:p14="http://schemas.microsoft.com/office/powerpoint/2010/main" val="3467947903"/>
-      </p:ext>
-    </p:extLst>
-  </p:cSld>
-  <p:clrMapOvr>
-    <a:masterClrMapping/>
-  </p:clrMapOvr>
-</p:sld>
-</file>
-
-<file path=ppt/slides/slide23.xml><?xml version="1.0" encoding="utf-8"?>
-<p:sld xmlns:a="http://schemas.openxmlformats.org/drawingml/2006/main" xmlns:r="http://schemas.openxmlformats.org/officeDocument/2006/relationships" xmlns:p="http://schemas.openxmlformats.org/presentationml/2006/main">
-  <p:cSld>
-    <p:spTree>
-      <p:nvGrpSpPr>
-        <p:cNvPr id="1" name=""/>
-        <p:cNvGrpSpPr/>
-        <p:nvPr/>
-      </p:nvGrpSpPr>
-      <p:grpSpPr>
-        <a:xfrm>
-          <a:off x="0" y="0"/>
-          <a:ext cx="0" cy="0"/>
-          <a:chOff x="0" y="0"/>
-          <a:chExt cx="0" cy="0"/>
-        </a:xfrm>
-      </p:grpSpPr>
-      <p:sp>
-        <p:nvSpPr>
-          <p:cNvPr id="2" name="Title 1">
-            <a:extLst>
-              <a:ext uri="{FF2B5EF4-FFF2-40B4-BE49-F238E27FC236}">
-                <a16:creationId xmlns:a16="http://schemas.microsoft.com/office/drawing/2014/main" id="{C60547E1-166B-9140-8384-3611A3BEBDF7}"/>
-              </a:ext>
-            </a:extLst>
-          </p:cNvPr>
-          <p:cNvSpPr>
-            <a:spLocks noGrp="1"/>
-          </p:cNvSpPr>
-          <p:nvPr>
-            <p:ph type="title"/>
-          </p:nvPr>
-        </p:nvSpPr>
-        <p:spPr/>
-        <p:txBody>
-          <a:bodyPr/>
-          <a:lstStyle/>
-          <a:p>
-            <a:endParaRPr lang="en-US"/>
-          </a:p>
-        </p:txBody>
-      </p:sp>
-      <p:sp>
-        <p:nvSpPr>
-          <p:cNvPr id="3" name="Content Placeholder 2">
-            <a:extLst>
-              <a:ext uri="{FF2B5EF4-FFF2-40B4-BE49-F238E27FC236}">
-                <a16:creationId xmlns:a16="http://schemas.microsoft.com/office/drawing/2014/main" id="{E9D4C70F-2F70-3743-AA57-5604413457AA}"/>
-              </a:ext>
-            </a:extLst>
-          </p:cNvPr>
-          <p:cNvSpPr>
-            <a:spLocks noGrp="1"/>
-          </p:cNvSpPr>
-          <p:nvPr>
-            <p:ph idx="1"/>
-          </p:nvPr>
-        </p:nvSpPr>
-        <p:spPr/>
-        <p:txBody>
-          <a:bodyPr/>
-          <a:lstStyle/>
-          <a:p>
-            <a:endParaRPr lang="en-US"/>
-          </a:p>
-        </p:txBody>
-      </p:sp>
-    </p:spTree>
-    <p:extLst>
-      <p:ext uri="{BB962C8B-B14F-4D97-AF65-F5344CB8AC3E}">
-        <p14:creationId xmlns:p14="http://schemas.microsoft.com/office/powerpoint/2010/main" val="1132628996"/>
-      </p:ext>
-    </p:extLst>
-  </p:cSld>
-  <p:clrMapOvr>
-    <a:masterClrMapping/>
-  </p:clrMapOvr>
-</p:sld>
-</file>
-
-<file path=ppt/slides/slide24.xml><?xml version="1.0" encoding="utf-8"?>
-<p:sld xmlns:a="http://schemas.openxmlformats.org/drawingml/2006/main" xmlns:r="http://schemas.openxmlformats.org/officeDocument/2006/relationships" xmlns:p="http://schemas.openxmlformats.org/presentationml/2006/main">
-  <p:cSld>
-    <p:spTree>
-      <p:nvGrpSpPr>
-        <p:cNvPr id="1" name=""/>
-        <p:cNvGrpSpPr/>
-        <p:nvPr/>
-      </p:nvGrpSpPr>
-      <p:grpSpPr>
-        <a:xfrm>
-          <a:off x="0" y="0"/>
-          <a:ext cx="0" cy="0"/>
-          <a:chOff x="0" y="0"/>
-          <a:chExt cx="0" cy="0"/>
-        </a:xfrm>
-      </p:grpSpPr>
-      <p:sp>
-        <p:nvSpPr>
-          <p:cNvPr id="2" name="Title 1">
-            <a:extLst>
-              <a:ext uri="{FF2B5EF4-FFF2-40B4-BE49-F238E27FC236}">
-                <a16:creationId xmlns:a16="http://schemas.microsoft.com/office/drawing/2014/main" id="{9F83BED8-AD3D-9B44-990B-EFAFE175095C}"/>
-              </a:ext>
-            </a:extLst>
-          </p:cNvPr>
-          <p:cNvSpPr>
-            <a:spLocks noGrp="1"/>
-          </p:cNvSpPr>
-          <p:nvPr>
-            <p:ph type="title"/>
-          </p:nvPr>
-        </p:nvSpPr>
-        <p:spPr/>
-        <p:txBody>
-          <a:bodyPr/>
-          <a:lstStyle/>
-          <a:p>
-            <a:endParaRPr lang="en-US"/>
-          </a:p>
-        </p:txBody>
-      </p:sp>
-      <p:sp>
-        <p:nvSpPr>
-          <p:cNvPr id="3" name="Content Placeholder 2">
-            <a:extLst>
-              <a:ext uri="{FF2B5EF4-FFF2-40B4-BE49-F238E27FC236}">
-                <a16:creationId xmlns:a16="http://schemas.microsoft.com/office/drawing/2014/main" id="{83E6DCCD-C015-4741-8A25-9CB45FEAB05F}"/>
-              </a:ext>
-            </a:extLst>
-          </p:cNvPr>
-          <p:cNvSpPr>
-            <a:spLocks noGrp="1"/>
-          </p:cNvSpPr>
-          <p:nvPr>
-            <p:ph idx="1"/>
-          </p:nvPr>
-        </p:nvSpPr>
-        <p:spPr/>
-        <p:txBody>
-          <a:bodyPr/>
-          <a:lstStyle/>
-          <a:p>
-            <a:endParaRPr lang="en-US"/>
-          </a:p>
-        </p:txBody>
-      </p:sp>
-    </p:spTree>
-    <p:extLst>
-      <p:ext uri="{BB962C8B-B14F-4D97-AF65-F5344CB8AC3E}">
-        <p14:creationId xmlns:p14="http://schemas.microsoft.com/office/powerpoint/2010/main" val="2085436543"/>
-      </p:ext>
-    </p:extLst>
-  </p:cSld>
-  <p:clrMapOvr>
-    <a:masterClrMapping/>
-  </p:clrMapOvr>
-</p:sld>
-</file>
-
-<file path=ppt/slides/slide25.xml><?xml version="1.0" encoding="utf-8"?>
-<p:sld xmlns:a="http://schemas.openxmlformats.org/drawingml/2006/main" xmlns:r="http://schemas.openxmlformats.org/officeDocument/2006/relationships" xmlns:p="http://schemas.openxmlformats.org/presentationml/2006/main">
-  <p:cSld>
-    <p:spTree>
-      <p:nvGrpSpPr>
-        <p:cNvPr id="1" name=""/>
-        <p:cNvGrpSpPr/>
-        <p:nvPr/>
-      </p:nvGrpSpPr>
-      <p:grpSpPr>
-        <a:xfrm>
-          <a:off x="0" y="0"/>
-          <a:ext cx="0" cy="0"/>
-          <a:chOff x="0" y="0"/>
-          <a:chExt cx="0" cy="0"/>
-        </a:xfrm>
-      </p:grpSpPr>
-      <p:sp>
-        <p:nvSpPr>
-          <p:cNvPr id="2" name="Title 1">
-            <a:extLst>
-              <a:ext uri="{FF2B5EF4-FFF2-40B4-BE49-F238E27FC236}">
-                <a16:creationId xmlns:a16="http://schemas.microsoft.com/office/drawing/2014/main" id="{79370108-B3D0-9249-87F6-E3029D48B69F}"/>
-              </a:ext>
-            </a:extLst>
-          </p:cNvPr>
-          <p:cNvSpPr>
-            <a:spLocks noGrp="1"/>
-          </p:cNvSpPr>
-          <p:nvPr>
-            <p:ph type="title"/>
-          </p:nvPr>
-        </p:nvSpPr>
-        <p:spPr/>
-        <p:txBody>
-          <a:bodyPr/>
-          <a:lstStyle/>
-          <a:p>
-            <a:endParaRPr lang="en-US"/>
-          </a:p>
-        </p:txBody>
-      </p:sp>
-      <p:sp>
-        <p:nvSpPr>
-          <p:cNvPr id="3" name="Content Placeholder 2">
-            <a:extLst>
-              <a:ext uri="{FF2B5EF4-FFF2-40B4-BE49-F238E27FC236}">
-                <a16:creationId xmlns:a16="http://schemas.microsoft.com/office/drawing/2014/main" id="{2E09B84E-F9EB-B145-AC8D-224F52D38916}"/>
-              </a:ext>
-            </a:extLst>
-          </p:cNvPr>
-          <p:cNvSpPr>
-            <a:spLocks noGrp="1"/>
-          </p:cNvSpPr>
-          <p:nvPr>
-            <p:ph idx="1"/>
-          </p:nvPr>
-        </p:nvSpPr>
-        <p:spPr/>
-        <p:txBody>
-          <a:bodyPr/>
-          <a:lstStyle/>
-          <a:p>
-            <a:endParaRPr lang="en-US"/>
-          </a:p>
-        </p:txBody>
-      </p:sp>
-    </p:spTree>
-    <p:extLst>
-      <p:ext uri="{BB962C8B-B14F-4D97-AF65-F5344CB8AC3E}">
-        <p14:creationId xmlns:p14="http://schemas.microsoft.com/office/powerpoint/2010/main" val="4159769065"/>
-      </p:ext>
-    </p:extLst>
-  </p:cSld>
-  <p:clrMapOvr>
-    <a:masterClrMapping/>
-  </p:clrMapOvr>
-</p:sld>
-</file>
-
-<file path=ppt/slides/slide26.xml><?xml version="1.0" encoding="utf-8"?>
-<p:sld xmlns:a="http://schemas.openxmlformats.org/drawingml/2006/main" xmlns:r="http://schemas.openxmlformats.org/officeDocument/2006/relationships" xmlns:p="http://schemas.openxmlformats.org/presentationml/2006/main">
-  <p:cSld>
-    <p:spTree>
-      <p:nvGrpSpPr>
-        <p:cNvPr id="1" name=""/>
-        <p:cNvGrpSpPr/>
-        <p:nvPr/>
-      </p:nvGrpSpPr>
-      <p:grpSpPr>
-        <a:xfrm>
-          <a:off x="0" y="0"/>
-          <a:ext cx="0" cy="0"/>
-          <a:chOff x="0" y="0"/>
-          <a:chExt cx="0" cy="0"/>
-        </a:xfrm>
-      </p:grpSpPr>
-      <p:sp>
-        <p:nvSpPr>
-          <p:cNvPr id="2" name="Title 1">
-            <a:extLst>
-              <a:ext uri="{FF2B5EF4-FFF2-40B4-BE49-F238E27FC236}">
-                <a16:creationId xmlns:a16="http://schemas.microsoft.com/office/drawing/2014/main" id="{00B3EF4B-D62E-C64A-9C0F-10DB21AF3E07}"/>
-              </a:ext>
-            </a:extLst>
-          </p:cNvPr>
-          <p:cNvSpPr>
-            <a:spLocks noGrp="1"/>
-          </p:cNvSpPr>
-          <p:nvPr>
-            <p:ph type="title"/>
-          </p:nvPr>
-        </p:nvSpPr>
-        <p:spPr/>
-        <p:txBody>
-          <a:bodyPr/>
-          <a:lstStyle/>
-          <a:p>
-            <a:endParaRPr lang="en-US"/>
-          </a:p>
-        </p:txBody>
-      </p:sp>
-      <p:sp>
-        <p:nvSpPr>
-          <p:cNvPr id="3" name="Content Placeholder 2">
-            <a:extLst>
-              <a:ext uri="{FF2B5EF4-FFF2-40B4-BE49-F238E27FC236}">
-                <a16:creationId xmlns:a16="http://schemas.microsoft.com/office/drawing/2014/main" id="{D63054E8-F60F-3E49-A027-231F655DB72F}"/>
-              </a:ext>
-            </a:extLst>
-          </p:cNvPr>
-          <p:cNvSpPr>
-            <a:spLocks noGrp="1"/>
-          </p:cNvSpPr>
-          <p:nvPr>
-            <p:ph idx="1"/>
-          </p:nvPr>
-        </p:nvSpPr>
-        <p:spPr/>
-        <p:txBody>
-          <a:bodyPr/>
-          <a:lstStyle/>
-          <a:p>
-            <a:endParaRPr lang="en-US"/>
-          </a:p>
-        </p:txBody>
-      </p:sp>
-    </p:spTree>
-    <p:extLst>
-      <p:ext uri="{BB962C8B-B14F-4D97-AF65-F5344CB8AC3E}">
-        <p14:creationId xmlns:p14="http://schemas.microsoft.com/office/powerpoint/2010/main" val="586725555"/>
       </p:ext>
     </p:extLst>
   </p:cSld>
